--- a/NFLRank_WY.pptx
+++ b/NFLRank_WY.pptx
@@ -5,7 +5,7 @@
     <p:sldMasterId id="2147483678" r:id="rId1"/>
   </p:sldMasterIdLst>
   <p:notesMasterIdLst>
-    <p:notesMasterId r:id="rId8"/>
+    <p:notesMasterId r:id="rId10"/>
   </p:notesMasterIdLst>
   <p:sldIdLst>
     <p:sldId id="256" r:id="rId2"/>
@@ -13,7 +13,9 @@
     <p:sldId id="258" r:id="rId4"/>
     <p:sldId id="262" r:id="rId5"/>
     <p:sldId id="261" r:id="rId6"/>
-    <p:sldId id="263" r:id="rId7"/>
+    <p:sldId id="264" r:id="rId7"/>
+    <p:sldId id="265" r:id="rId8"/>
+    <p:sldId id="263" r:id="rId9"/>
   </p:sldIdLst>
   <p:sldSz cx="12192000" cy="6858000"/>
   <p:notesSz cx="6858000" cy="9144000"/>
@@ -202,7 +204,7 @@
           <a:p>
             <a:fld id="{EFAD2766-2C69-4467-A334-08711492AB24}" type="datetimeFigureOut">
               <a:rPr lang="en-US" smtClean="0"/>
-              <a:t>1/16/18</a:t>
+              <a:t>1/17/18</a:t>
             </a:fld>
             <a:endParaRPr lang="en-US"/>
           </a:p>
@@ -560,6 +562,104 @@
 </p:notes>
 </file>
 
+<file path=ppt/notesSlides/notesSlide2.xml><?xml version="1.0" encoding="utf-8"?>
+<p:notes xmlns:a="http://schemas.openxmlformats.org/drawingml/2006/main" xmlns:r="http://schemas.openxmlformats.org/officeDocument/2006/relationships" xmlns:p="http://schemas.openxmlformats.org/presentationml/2006/main">
+  <p:cSld>
+    <p:spTree>
+      <p:nvGrpSpPr>
+        <p:cNvPr id="1" name=""/>
+        <p:cNvGrpSpPr/>
+        <p:nvPr/>
+      </p:nvGrpSpPr>
+      <p:grpSpPr>
+        <a:xfrm>
+          <a:off x="0" y="0"/>
+          <a:ext cx="0" cy="0"/>
+          <a:chOff x="0" y="0"/>
+          <a:chExt cx="0" cy="0"/>
+        </a:xfrm>
+      </p:grpSpPr>
+      <p:sp>
+        <p:nvSpPr>
+          <p:cNvPr id="2" name="Slide Image Placeholder 1"/>
+          <p:cNvSpPr>
+            <a:spLocks noGrp="1" noRot="1" noChangeAspect="1"/>
+          </p:cNvSpPr>
+          <p:nvPr>
+            <p:ph type="sldImg"/>
+          </p:nvPr>
+        </p:nvSpPr>
+        <p:spPr/>
+      </p:sp>
+      <p:sp>
+        <p:nvSpPr>
+          <p:cNvPr id="3" name="Notes Placeholder 2"/>
+          <p:cNvSpPr>
+            <a:spLocks noGrp="1"/>
+          </p:cNvSpPr>
+          <p:nvPr>
+            <p:ph type="body" idx="1"/>
+          </p:nvPr>
+        </p:nvSpPr>
+        <p:spPr/>
+        <p:txBody>
+          <a:bodyPr/>
+          <a:lstStyle/>
+          <a:p>
+            <a:r>
+              <a:rPr lang="en-US" dirty="0" smtClean="0"/>
+              <a:t>Look again</a:t>
+            </a:r>
+            <a:r>
+              <a:rPr lang="en-US" baseline="0" dirty="0" smtClean="0"/>
+              <a:t> at the beginning class – how to create a good project. Need hypothesis etc.</a:t>
+            </a:r>
+          </a:p>
+          <a:p>
+            <a:r>
+              <a:rPr lang="en-US" baseline="0" dirty="0" smtClean="0"/>
+              <a:t>What’s my hypothesis? Players with better stats in useful features will be ranked higher/more desirable to draft to my fantasy team.</a:t>
+            </a:r>
+            <a:endParaRPr lang="en-US" dirty="0"/>
+          </a:p>
+        </p:txBody>
+      </p:sp>
+      <p:sp>
+        <p:nvSpPr>
+          <p:cNvPr id="4" name="Slide Number Placeholder 3"/>
+          <p:cNvSpPr>
+            <a:spLocks noGrp="1"/>
+          </p:cNvSpPr>
+          <p:nvPr>
+            <p:ph type="sldNum" sz="quarter" idx="10"/>
+          </p:nvPr>
+        </p:nvSpPr>
+        <p:spPr/>
+        <p:txBody>
+          <a:bodyPr/>
+          <a:lstStyle/>
+          <a:p>
+            <a:fld id="{9DE67532-5DA6-4A0A-8226-66CE47078019}" type="slidenum">
+              <a:rPr lang="en-US" smtClean="0"/>
+              <a:t>5</a:t>
+            </a:fld>
+            <a:endParaRPr lang="en-US"/>
+          </a:p>
+        </p:txBody>
+      </p:sp>
+    </p:spTree>
+    <p:extLst>
+      <p:ext uri="{BB962C8B-B14F-4D97-AF65-F5344CB8AC3E}">
+        <p14:creationId xmlns:p14="http://schemas.microsoft.com/office/powerpoint/2010/main" val="661269565"/>
+      </p:ext>
+    </p:extLst>
+  </p:cSld>
+  <p:clrMapOvr>
+    <a:masterClrMapping/>
+  </p:clrMapOvr>
+</p:notes>
+</file>
+
 <file path=ppt/slideLayouts/slideLayout1.xml><?xml version="1.0" encoding="utf-8"?>
 <p:sldLayout xmlns:a="http://schemas.openxmlformats.org/drawingml/2006/main" xmlns:r="http://schemas.openxmlformats.org/officeDocument/2006/relationships" xmlns:p="http://schemas.openxmlformats.org/presentationml/2006/main" type="title" preserve="1">
   <p:cSld name="Title Slide">
@@ -760,7 +860,7 @@
           <a:p>
             <a:fld id="{8FF56DA0-41E4-4345-B5E7-12CA85C00467}" type="datetimeFigureOut">
               <a:rPr lang="en-US" smtClean="0"/>
-              <a:t>1/16/18</a:t>
+              <a:t>1/17/18</a:t>
             </a:fld>
             <a:endParaRPr lang="en-US"/>
           </a:p>
@@ -950,7 +1050,7 @@
           <a:p>
             <a:fld id="{8FF56DA0-41E4-4345-B5E7-12CA85C00467}" type="datetimeFigureOut">
               <a:rPr lang="en-US" smtClean="0"/>
-              <a:t>1/16/18</a:t>
+              <a:t>1/17/18</a:t>
             </a:fld>
             <a:endParaRPr lang="en-US"/>
           </a:p>
@@ -1130,7 +1230,7 @@
           <a:p>
             <a:fld id="{8FF56DA0-41E4-4345-B5E7-12CA85C00467}" type="datetimeFigureOut">
               <a:rPr lang="en-US" smtClean="0"/>
-              <a:t>1/16/18</a:t>
+              <a:t>1/17/18</a:t>
             </a:fld>
             <a:endParaRPr lang="en-US"/>
           </a:p>
@@ -1300,7 +1400,7 @@
           <a:p>
             <a:fld id="{8FF56DA0-41E4-4345-B5E7-12CA85C00467}" type="datetimeFigureOut">
               <a:rPr lang="en-US" smtClean="0"/>
-              <a:t>1/16/18</a:t>
+              <a:t>1/17/18</a:t>
             </a:fld>
             <a:endParaRPr lang="en-US"/>
           </a:p>
@@ -1556,7 +1656,7 @@
           <a:p>
             <a:fld id="{8FF56DA0-41E4-4345-B5E7-12CA85C00467}" type="datetimeFigureOut">
               <a:rPr lang="en-US" smtClean="0"/>
-              <a:t>1/16/18</a:t>
+              <a:t>1/17/18</a:t>
             </a:fld>
             <a:endParaRPr lang="en-US"/>
           </a:p>
@@ -1844,7 +1944,7 @@
           <a:p>
             <a:fld id="{8FF56DA0-41E4-4345-B5E7-12CA85C00467}" type="datetimeFigureOut">
               <a:rPr lang="en-US" smtClean="0"/>
-              <a:t>1/16/18</a:t>
+              <a:t>1/17/18</a:t>
             </a:fld>
             <a:endParaRPr lang="en-US"/>
           </a:p>
@@ -2282,7 +2382,7 @@
           <a:p>
             <a:fld id="{8FF56DA0-41E4-4345-B5E7-12CA85C00467}" type="datetimeFigureOut">
               <a:rPr lang="en-US" smtClean="0"/>
-              <a:t>1/16/18</a:t>
+              <a:t>1/17/18</a:t>
             </a:fld>
             <a:endParaRPr lang="en-US"/>
           </a:p>
@@ -2400,7 +2500,7 @@
           <a:p>
             <a:fld id="{8FF56DA0-41E4-4345-B5E7-12CA85C00467}" type="datetimeFigureOut">
               <a:rPr lang="en-US" smtClean="0"/>
-              <a:t>1/16/18</a:t>
+              <a:t>1/17/18</a:t>
             </a:fld>
             <a:endParaRPr lang="en-US"/>
           </a:p>
@@ -2495,7 +2595,7 @@
           <a:p>
             <a:fld id="{8FF56DA0-41E4-4345-B5E7-12CA85C00467}" type="datetimeFigureOut">
               <a:rPr lang="en-US" smtClean="0"/>
-              <a:t>1/16/18</a:t>
+              <a:t>1/17/18</a:t>
             </a:fld>
             <a:endParaRPr lang="en-US"/>
           </a:p>
@@ -2851,7 +2951,7 @@
           <a:p>
             <a:fld id="{8FF56DA0-41E4-4345-B5E7-12CA85C00467}" type="datetimeFigureOut">
               <a:rPr lang="en-US" smtClean="0"/>
-              <a:t>1/16/18</a:t>
+              <a:t>1/17/18</a:t>
             </a:fld>
             <a:endParaRPr lang="en-US"/>
           </a:p>
@@ -3167,7 +3267,7 @@
           <a:p>
             <a:fld id="{8FF56DA0-41E4-4345-B5E7-12CA85C00467}" type="datetimeFigureOut">
               <a:rPr lang="en-US" smtClean="0"/>
-              <a:t>1/16/18</a:t>
+              <a:t>1/17/18</a:t>
             </a:fld>
             <a:endParaRPr lang="en-US"/>
           </a:p>
@@ -3400,7 +3500,7 @@
           <a:p>
             <a:fld id="{8FF56DA0-41E4-4345-B5E7-12CA85C00467}" type="datetimeFigureOut">
               <a:rPr lang="en-US" smtClean="0"/>
-              <a:t>1/16/18</a:t>
+              <a:t>1/17/18</a:t>
             </a:fld>
             <a:endParaRPr lang="en-US"/>
           </a:p>
@@ -4113,24 +4213,15 @@
             <a:pPr lvl="1"/>
             <a:r>
               <a:rPr lang="en-US" dirty="0" smtClean="0"/>
-              <a:t>Looking </a:t>
-            </a:r>
+              <a:t>Looking at offense only</a:t>
+            </a:r>
+          </a:p>
+          <a:p>
+            <a:pPr lvl="1"/>
             <a:r>
               <a:rPr lang="en-US" dirty="0" smtClean="0"/>
-              <a:t>at offense only</a:t>
-            </a:r>
-          </a:p>
-          <a:p>
-            <a:pPr lvl="1"/>
-            <a:r>
-              <a:rPr lang="en-US" dirty="0" smtClean="0"/>
-              <a:t>Looking at ending stats across entire </a:t>
-            </a:r>
-            <a:r>
-              <a:rPr lang="en-US" dirty="0" smtClean="0"/>
-              <a:t>season</a:t>
-            </a:r>
-            <a:endParaRPr lang="en-US" dirty="0" smtClean="0"/>
+              <a:t>Looking at ending stats across entire season</a:t>
+            </a:r>
           </a:p>
           <a:p>
             <a:endParaRPr lang="en-US" dirty="0"/>
@@ -4268,7 +4359,6 @@
               <a:rPr lang="en-US" dirty="0" smtClean="0"/>
               <a:t>-not convinced I actually pulled total season stats, still playing in data</a:t>
             </a:r>
-            <a:endParaRPr lang="en-US" dirty="0" smtClean="0"/>
           </a:p>
           <a:p>
             <a:pPr lvl="1"/>
@@ -4339,7 +4429,12 @@
             <p:ph idx="1"/>
           </p:nvPr>
         </p:nvSpPr>
-        <p:spPr/>
+        <p:spPr>
+          <a:xfrm>
+            <a:off x="676656" y="2011680"/>
+            <a:ext cx="7240123" cy="3679257"/>
+          </a:xfrm>
+        </p:spPr>
         <p:txBody>
           <a:bodyPr/>
           <a:lstStyle/>
@@ -4359,11 +4454,7 @@
           <a:p>
             <a:r>
               <a:rPr lang="en-US" dirty="0" smtClean="0"/>
-              <a:t>Which features are most useful</a:t>
-            </a:r>
-            <a:r>
-              <a:rPr lang="en-US" dirty="0" smtClean="0"/>
-              <a:t>?</a:t>
+              <a:t>Which features are most useful?</a:t>
             </a:r>
           </a:p>
           <a:p>
@@ -4372,7 +4463,6 @@
               <a:rPr lang="en-US" dirty="0" smtClean="0"/>
               <a:t>Still determining this</a:t>
             </a:r>
-            <a:endParaRPr lang="en-US" dirty="0" smtClean="0"/>
           </a:p>
         </p:txBody>
       </p:sp>
@@ -4390,6 +4480,154 @@
 </file>
 
 <file path=ppt/slides/slide6.xml><?xml version="1.0" encoding="utf-8"?>
+<p:sld xmlns:a="http://schemas.openxmlformats.org/drawingml/2006/main" xmlns:r="http://schemas.openxmlformats.org/officeDocument/2006/relationships" xmlns:p="http://schemas.openxmlformats.org/presentationml/2006/main">
+  <p:cSld>
+    <p:spTree>
+      <p:nvGrpSpPr>
+        <p:cNvPr id="1" name=""/>
+        <p:cNvGrpSpPr/>
+        <p:nvPr/>
+      </p:nvGrpSpPr>
+      <p:grpSpPr>
+        <a:xfrm>
+          <a:off x="0" y="0"/>
+          <a:ext cx="0" cy="0"/>
+          <a:chOff x="0" y="0"/>
+          <a:chExt cx="0" cy="0"/>
+        </a:xfrm>
+      </p:grpSpPr>
+      <p:sp>
+        <p:nvSpPr>
+          <p:cNvPr id="2" name="Title 1"/>
+          <p:cNvSpPr>
+            <a:spLocks noGrp="1"/>
+          </p:cNvSpPr>
+          <p:nvPr>
+            <p:ph type="title"/>
+          </p:nvPr>
+        </p:nvSpPr>
+        <p:spPr/>
+        <p:txBody>
+          <a:bodyPr/>
+          <a:lstStyle/>
+          <a:p>
+            <a:endParaRPr lang="en-US"/>
+          </a:p>
+        </p:txBody>
+      </p:sp>
+      <p:pic>
+        <p:nvPicPr>
+          <p:cNvPr id="4" name="Content Placeholder 3"/>
+          <p:cNvPicPr>
+            <a:picLocks noGrp="1" noChangeAspect="1"/>
+          </p:cNvPicPr>
+          <p:nvPr>
+            <p:ph idx="1"/>
+          </p:nvPr>
+        </p:nvPicPr>
+        <p:blipFill rotWithShape="1">
+          <a:blip r:embed="rId2"/>
+          <a:srcRect l="15196" t="28597" r="8125" b="7719"/>
+          <a:stretch/>
+        </p:blipFill>
+        <p:spPr>
+          <a:xfrm>
+            <a:off x="541535" y="830180"/>
+            <a:ext cx="11004152" cy="5140827"/>
+          </a:xfrm>
+          <a:prstGeom prst="rect">
+            <a:avLst/>
+          </a:prstGeom>
+        </p:spPr>
+      </p:pic>
+    </p:spTree>
+    <p:extLst>
+      <p:ext uri="{BB962C8B-B14F-4D97-AF65-F5344CB8AC3E}">
+        <p14:creationId xmlns:p14="http://schemas.microsoft.com/office/powerpoint/2010/main" val="898804309"/>
+      </p:ext>
+    </p:extLst>
+  </p:cSld>
+  <p:clrMapOvr>
+    <a:masterClrMapping/>
+  </p:clrMapOvr>
+</p:sld>
+</file>
+
+<file path=ppt/slides/slide7.xml><?xml version="1.0" encoding="utf-8"?>
+<p:sld xmlns:a="http://schemas.openxmlformats.org/drawingml/2006/main" xmlns:r="http://schemas.openxmlformats.org/officeDocument/2006/relationships" xmlns:p="http://schemas.openxmlformats.org/presentationml/2006/main">
+  <p:cSld>
+    <p:spTree>
+      <p:nvGrpSpPr>
+        <p:cNvPr id="1" name=""/>
+        <p:cNvGrpSpPr/>
+        <p:nvPr/>
+      </p:nvGrpSpPr>
+      <p:grpSpPr>
+        <a:xfrm>
+          <a:off x="0" y="0"/>
+          <a:ext cx="0" cy="0"/>
+          <a:chOff x="0" y="0"/>
+          <a:chExt cx="0" cy="0"/>
+        </a:xfrm>
+      </p:grpSpPr>
+      <p:sp>
+        <p:nvSpPr>
+          <p:cNvPr id="2" name="Title 1"/>
+          <p:cNvSpPr>
+            <a:spLocks noGrp="1"/>
+          </p:cNvSpPr>
+          <p:nvPr>
+            <p:ph type="title"/>
+          </p:nvPr>
+        </p:nvSpPr>
+        <p:spPr/>
+        <p:txBody>
+          <a:bodyPr/>
+          <a:lstStyle/>
+          <a:p>
+            <a:endParaRPr lang="en-US"/>
+          </a:p>
+        </p:txBody>
+      </p:sp>
+      <p:pic>
+        <p:nvPicPr>
+          <p:cNvPr id="4" name="Content Placeholder 3"/>
+          <p:cNvPicPr>
+            <a:picLocks noGrp="1" noChangeAspect="1"/>
+          </p:cNvPicPr>
+          <p:nvPr>
+            <p:ph idx="1"/>
+          </p:nvPr>
+        </p:nvPicPr>
+        <p:blipFill rotWithShape="1">
+          <a:blip r:embed="rId2"/>
+          <a:srcRect l="13383" t="24346" r="30532" b="5013"/>
+          <a:stretch/>
+        </p:blipFill>
+        <p:spPr>
+          <a:xfrm>
+            <a:off x="493293" y="838470"/>
+            <a:ext cx="7664117" cy="5429983"/>
+          </a:xfrm>
+          <a:prstGeom prst="rect">
+            <a:avLst/>
+          </a:prstGeom>
+        </p:spPr>
+      </p:pic>
+    </p:spTree>
+    <p:extLst>
+      <p:ext uri="{BB962C8B-B14F-4D97-AF65-F5344CB8AC3E}">
+        <p14:creationId xmlns:p14="http://schemas.microsoft.com/office/powerpoint/2010/main" val="1744468095"/>
+      </p:ext>
+    </p:extLst>
+  </p:cSld>
+  <p:clrMapOvr>
+    <a:masterClrMapping/>
+  </p:clrMapOvr>
+</p:sld>
+</file>
+
+<file path=ppt/slides/slide8.xml><?xml version="1.0" encoding="utf-8"?>
 <p:sld xmlns:a="http://schemas.openxmlformats.org/drawingml/2006/main" xmlns:r="http://schemas.openxmlformats.org/officeDocument/2006/relationships" xmlns:p="http://schemas.openxmlformats.org/presentationml/2006/main">
   <p:cSld>
     <p:spTree>
